--- a/OutputFiles/CubeQueryPaper.pptx
+++ b/OutputFiles/CubeQueryPaper.pptx
@@ -4637,7 +4637,7 @@
       </p:sp>
       <p:pic>
         <p:nvPicPr>
-          <p:cNvPr id="4" name="H6HEJW.wav">
+          <p:cNvPr id="4" name="6AZM184.wav">
             <a:hlinkClick r:id="" action="ppaction://media"/>
           </p:cNvPr>
           <p:cNvPicPr>
@@ -4973,7 +4973,7 @@
       </p:pic>
       <p:pic>
         <p:nvPicPr>
-          <p:cNvPr id="4" name="XJ4K64YGT.wav">
+          <p:cNvPr id="4" name="EHD0JV53L.wav">
             <a:hlinkClick r:id="" action="ppaction://media"/>
           </p:cNvPr>
           <p:cNvPicPr>
@@ -5817,7 +5817,7 @@
       </p:graphicFrame>
       <p:pic>
         <p:nvPicPr>
-          <p:cNvPr id="4" name="XEWSWRWL5.wav">
+          <p:cNvPr id="4" name="BV2PZ660.wav">
             <a:hlinkClick r:id="" action="ppaction://media"/>
           </p:cNvPr>
           <p:cNvPicPr>
@@ -6128,7 +6128,7 @@
       </p:sp>
       <p:pic>
         <p:nvPicPr>
-          <p:cNvPr id="4" name="K569JR6DI.wav">
+          <p:cNvPr id="4" name="68CBV.wav">
             <a:hlinkClick r:id="" action="ppaction://media"/>
           </p:cNvPr>
           <p:cNvPicPr>
@@ -6722,7 +6722,7 @@
       </p:graphicFrame>
       <p:pic>
         <p:nvPicPr>
-          <p:cNvPr id="4" name="OTA4YF2SO.wav">
+          <p:cNvPr id="4" name="6K5QI.wav">
             <a:hlinkClick r:id="" action="ppaction://media"/>
           </p:cNvPr>
           <p:cNvPicPr>
@@ -7409,7 +7409,7 @@
       </p:graphicFrame>
       <p:pic>
         <p:nvPicPr>
-          <p:cNvPr id="4" name="5WDPV0.wav">
+          <p:cNvPr id="4" name="25CYH4.wav">
             <a:hlinkClick r:id="" action="ppaction://media"/>
           </p:cNvPr>
           <p:cNvPicPr>
@@ -7720,7 +7720,7 @@
       </p:sp>
       <p:pic>
         <p:nvPicPr>
-          <p:cNvPr id="4" name="X9AS4C.wav">
+          <p:cNvPr id="4" name="83L6KFE5.wav">
             <a:hlinkClick r:id="" action="ppaction://media"/>
           </p:cNvPr>
           <p:cNvPicPr>
@@ -9629,7 +9629,7 @@
       </p:graphicFrame>
       <p:pic>
         <p:nvPicPr>
-          <p:cNvPr id="4" name="460FZ9Q.wav">
+          <p:cNvPr id="4" name="3GHG4VWW9.wav">
             <a:hlinkClick r:id="" action="ppaction://media"/>
           </p:cNvPr>
           <p:cNvPicPr>
@@ -11572,7 +11572,7 @@
       </p:graphicFrame>
       <p:pic>
         <p:nvPicPr>
-          <p:cNvPr id="4" name="RMQMW4M.wav">
+          <p:cNvPr id="4" name="ZVRFMK.wav">
             <a:hlinkClick r:id="" action="ppaction://media"/>
           </p:cNvPr>
           <p:cNvPicPr>

--- a/OutputFiles/CubeQueryPaper.pptx
+++ b/OutputFiles/CubeQueryPaper.pptx
@@ -646,7 +646,7 @@
           <a:p>
             <a:r>
               <a:rPr lang="en-US" smtClean="0"/>
-              <a:t>This is a report on the Avg of work hours per week when education is fixed to 'Post-Secondary' and work is fixed to 'With-Pay'. We will start by answering the original query and we complement the result with contextualization and detailed analyses.</a:t>
+              <a:t>This is a report on the Avg of hours_per_week when education is fixed to 'Post-Secondary' and work is fixed to 'With-Pay'. We will start by answering the original query and we complement the result with contextualization and detailed analyses.</a:t>
             </a:r>
             <a:endParaRPr lang="en-US"/>
           </a:p>
@@ -734,7 +734,7 @@
           <a:p>
             <a:r>
               <a:rPr lang="en-US" smtClean="0"/>
-              <a:t>Here, you can see the answer of the original query. You have specified education to be equal to 'Post-Secondary', and work to be equal to 'With-Pay'. We report on Avg of work hours per week grouped by education at level 2, and work at level 1 .
+              <a:t>Here, you can see the answer of the original query. You have specified education to be equal to 'Post-Secondary', and work to be equal to 'With-Pay'. We report on Avg of hours_per_week grouped by education at level 2, and work at level 1 .
 You can observe the results in this table. We highlight the largest values with red and the lowest values with blue color. 
 Column Some-college has 2 of the 3 lowest values.
 Row Self-emp has 3 of the 3 highest values.
@@ -917,7 +917,7 @@
           <a:p>
             <a:r>
               <a:rPr lang="en-US" smtClean="0"/>
-              <a:t>In this graphic, we put the original request in context by comparing the value 'Post-Secondary' for education at level 3 with its sibling values. We highlight the reference cells with bold, the highest value with red and the lowest value with blue color. We calculate the Avg of work hours per week while fixing education at level 4 to be equal to ''ALL'', and work at level 2 to be equal to ''With-Pay''.
+              <a:t>In this graphic, we put the original request in context by comparing the value 'Post-Secondary' for education at level 3 with its sibling values. We highlight the reference cells with bold, the highest value with red and the lowest value with blue color. We calculate the Avg of hours_per_week while fixing education at level 4 to be equal to ''ALL'', and work at level 2 to be equal to ''With-Pay''.
 Compared to its sibling we observe that in 3 out of 3 cases Post-Secondary has higher value than Without-Post-Secondary.
 </a:t>
             </a:r>
@@ -1007,7 +1007,7 @@
           <a:p>
             <a:r>
               <a:rPr lang="en-US" smtClean="0"/>
-              <a:t>In this graphic, we put the original request in context by comparing the value 'With-Pay' for work at level 2 with its sibling values. We highlight the reference cells with bold, the highest value with red and the lowest value with blue color. We calculate the Avg of work hours per week while fixing education at level 3 to be equal to ''Post-Secondary'', and work at level 3 to be equal to ''ALL''.
+              <a:t>In this graphic, we put the original request in context by comparing the value 'With-Pay' for work at level 2 with its sibling values. We highlight the reference cells with bold, the highest value with red and the lowest value with blue color. We calculate the Avg of hours_per_week while fixing education at level 3 to be equal to ''Post-Secondary'', and work at level 3 to be equal to ''ALL''.
 Compared to its sibling we observe that in 1 out of 4 cases With-Pay has a higher value than Without-pay.
 In 1 out of 4 cases With-Pay has a lower value than Without-pay.
 In 2 out of 4 cases Without-pay has null value.
@@ -1188,7 +1188,7 @@
           <a:p>
             <a:r>
               <a:rPr lang="en-US" smtClean="0"/>
-              <a:t>In this slide, we expand dimension work by drilling down from level 1 to level 0. For each cell we show both the Avg of work hours per week and the number of tuples that correspond to it in parentheses. We highlight the 6 lowest values in blue and the 6 largest in red color.
+              <a:t>In this slide, we expand dimension work by drilling down from level 1 to level 0. For each cell we show both the Avg of hours_per_week and the number of tuples that correspond to it in parentheses. We highlight the 6 lowest values in blue and the 6 largest in red color.
 Some interesting findings include:
 Column Assoc has 2 of the 6 highest values.
 Column Post-grad has 2 of the 6 highest values.
@@ -1281,7 +1281,7 @@
           <a:p>
             <a:r>
               <a:rPr lang="en-US" smtClean="0"/>
-              <a:t>In this slide, we expand dimension education by drilling down from level 2 to level 1. For each cell we show both the Avg of work hours per week and the number of tuples that correspond to it in parentheses. We highlight the 5 lowest values in blue and the 5 largest in red color.
+              <a:t>In this slide, we expand dimension education by drilling down from level 2 to level 1. For each cell we show both the Avg of hours_per_week and the number of tuples that correspond to it in parentheses. We highlight the 5 lowest values in blue and the 5 largest in red color.
 Some interesting findings include:
 Column Private has 2 of the 5 highest values.
 Column Self-emp has 2 of the 5 highest values.
@@ -4490,6 +4490,13 @@
             <a:pPr lvl="0"/>
             <a:r>
               <a:rPr lang="en-US" b="false" sz="1400"/>
+              <a:t>In this slide we summarize our findings.</a:t>
+            </a:r>
+          </a:p>
+          <a:p>
+            <a:pPr lvl="1"/>
+            <a:r>
+              <a:rPr lang="en-US" b="false" sz="1400"/>
               <a:t>Concerning the original query, some interesting findings include:</a:t>
             </a:r>
           </a:p>
@@ -4522,7 +4529,21 @@
             </a:r>
           </a:p>
           <a:p>
-            <a:pPr lvl="0"/>
+            <a:pPr lvl="1"/>
+            <a:r>
+              <a:rPr lang="en-US" b="false" sz="1400"/>
+              <a:t/>
+            </a:r>
+          </a:p>
+          <a:p>
+            <a:pPr lvl="1"/>
+            <a:r>
+              <a:rPr lang="en-US" b="false" sz="1400"/>
+              <a:t/>
+            </a:r>
+          </a:p>
+          <a:p>
+            <a:pPr lvl="1"/>
             <a:r>
               <a:rPr lang="en-US" b="false" sz="1400"/>
               <a:t>First, we tried to put the original result in context, by comparing its defining values with similar ones.</a:t>
@@ -4536,7 +4557,7 @@
             </a:r>
           </a:p>
           <a:p>
-            <a:pPr lvl="2"/>
+            <a:pPr lvl="1"/>
             <a:r>
               <a:rPr lang="en-US" b="false" sz="1400"/>
               <a:t>In 3 out of 3 cases Post-Secondary has higher value than Without-Post-Secondary.</a:t>
@@ -4550,28 +4571,35 @@
             </a:r>
           </a:p>
           <a:p>
-            <a:pPr lvl="2"/>
+            <a:pPr lvl="1"/>
             <a:r>
               <a:rPr lang="en-US" b="false" sz="1400"/>
               <a:t>In 1 out of 4 cases With-Pay has a higher value than Without-pay.</a:t>
             </a:r>
           </a:p>
           <a:p>
-            <a:pPr lvl="2"/>
+            <a:pPr lvl="1"/>
             <a:r>
               <a:rPr lang="en-US" b="false" sz="1400"/>
               <a:t>In 1 out of 4 cases With-Pay has a lower value than Without-pay.</a:t>
             </a:r>
           </a:p>
           <a:p>
-            <a:pPr lvl="2"/>
+            <a:pPr lvl="1"/>
             <a:r>
               <a:rPr lang="en-US" b="false" sz="1400"/>
               <a:t>In 2 out of 4 cases Without-pay has null value.</a:t>
             </a:r>
           </a:p>
           <a:p>
-            <a:pPr lvl="0"/>
+            <a:pPr lvl="1"/>
+            <a:r>
+              <a:rPr lang="en-US" b="false" sz="1400"/>
+              <a:t/>
+            </a:r>
+          </a:p>
+          <a:p>
+            <a:pPr lvl="1"/>
             <a:r>
               <a:rPr lang="en-US" b="false" sz="1400"/>
               <a:t>Then we analyzed the results by drilling down one level in the hierarchy.</a:t>
@@ -4585,21 +4613,28 @@
             </a:r>
           </a:p>
           <a:p>
-            <a:pPr lvl="2"/>
+            <a:pPr lvl="1"/>
+            <a:r>
+              <a:rPr lang="en-US" b="false" sz="1400"/>
+              <a:t/>
+            </a:r>
+          </a:p>
+          <a:p>
+            <a:pPr lvl="1"/>
             <a:r>
               <a:rPr lang="en-US" b="false" sz="1400"/>
               <a:t>Column Assoc has 2 of the 6 highest values.</a:t>
             </a:r>
           </a:p>
           <a:p>
-            <a:pPr lvl="2"/>
+            <a:pPr lvl="1"/>
             <a:r>
               <a:rPr lang="en-US" b="false" sz="1400"/>
               <a:t>Column Post-grad has 2 of the 6 highest values.</a:t>
             </a:r>
           </a:p>
           <a:p>
-            <a:pPr lvl="2"/>
+            <a:pPr lvl="1"/>
             <a:r>
               <a:rPr lang="en-US" b="false" sz="1400"/>
               <a:t>Column Some-college has 4 of the 6 lowest values.</a:t>
@@ -4613,21 +4648,28 @@
             </a:r>
           </a:p>
           <a:p>
-            <a:pPr lvl="2"/>
+            <a:pPr lvl="1"/>
+            <a:r>
+              <a:rPr lang="en-US" b="false" sz="1400"/>
+              <a:t/>
+            </a:r>
+          </a:p>
+          <a:p>
+            <a:pPr lvl="1"/>
             <a:r>
               <a:rPr lang="en-US" b="false" sz="1400"/>
               <a:t>Column Private has 2 of the 5 highest values.</a:t>
             </a:r>
           </a:p>
           <a:p>
-            <a:pPr lvl="2"/>
+            <a:pPr lvl="1"/>
             <a:r>
               <a:rPr lang="en-US" b="false" sz="1400"/>
               <a:t>Column Self-emp has 2 of the 5 highest values.</a:t>
             </a:r>
           </a:p>
           <a:p>
-            <a:pPr lvl="2"/>
+            <a:pPr lvl="1"/>
             <a:r>
               <a:rPr lang="en-US" b="false" sz="1400"/>
               <a:t>Column Private has 3 of the 5 lowest values.</a:t>
@@ -4637,7 +4679,7 @@
       </p:sp>
       <p:pic>
         <p:nvPicPr>
-          <p:cNvPr id="4" name="6AZM184.wav">
+          <p:cNvPr id="4" name="ONI9BN5N.wav">
             <a:hlinkClick r:id="" action="ppaction://media"/>
           </p:cNvPr>
           <p:cNvPicPr>
@@ -4942,7 +4984,7 @@
             <a:pPr algn="just"/>
             <a:r>
               <a:rPr lang="en-US" b="false" sz="2000"/>
-              <a:t>This is a report on the Avg of work hours per week when education is fixed to 'Post-Secondary' and work is fixed to 'With-Pay'. We will start by answering the original query and we complement the result with contextualization and detailed analyses.</a:t>
+              <a:t>This is a report on the Avg of hours_per_week when education is fixed to 'Post-Secondary' and work is fixed to 'With-Pay'. We will start by answering the original query and we complement the result with contextualization and detailed analyses.</a:t>
             </a:r>
           </a:p>
         </p:txBody>
@@ -4973,7 +5015,7 @@
       </p:pic>
       <p:pic>
         <p:nvPicPr>
-          <p:cNvPr id="4" name="EHD0JV53L.wav">
+          <p:cNvPr id="4" name="0Q4M6JAAP.wav">
             <a:hlinkClick r:id="" action="ppaction://media"/>
           </p:cNvPr>
           <p:cNvPicPr>
@@ -5817,7 +5859,7 @@
       </p:graphicFrame>
       <p:pic>
         <p:nvPicPr>
-          <p:cNvPr id="4" name="BV2PZ660.wav">
+          <p:cNvPr id="4" name="NT4HH.wav">
             <a:hlinkClick r:id="" action="ppaction://media"/>
           </p:cNvPr>
           <p:cNvPicPr>
@@ -6128,7 +6170,7 @@
       </p:sp>
       <p:pic>
         <p:nvPicPr>
-          <p:cNvPr id="4" name="68CBV.wav">
+          <p:cNvPr id="4" name="8VIKZLM.wav">
             <a:hlinkClick r:id="" action="ppaction://media"/>
           </p:cNvPr>
           <p:cNvPicPr>
@@ -6722,7 +6764,7 @@
       </p:graphicFrame>
       <p:pic>
         <p:nvPicPr>
-          <p:cNvPr id="4" name="6K5QI.wav">
+          <p:cNvPr id="4" name="SMM74.wav">
             <a:hlinkClick r:id="" action="ppaction://media"/>
           </p:cNvPr>
           <p:cNvPicPr>
@@ -7409,7 +7451,7 @@
       </p:graphicFrame>
       <p:pic>
         <p:nvPicPr>
-          <p:cNvPr id="4" name="25CYH4.wav">
+          <p:cNvPr id="4" name="8LWW54Y46.wav">
             <a:hlinkClick r:id="" action="ppaction://media"/>
           </p:cNvPr>
           <p:cNvPicPr>
@@ -7720,7 +7762,7 @@
       </p:sp>
       <p:pic>
         <p:nvPicPr>
-          <p:cNvPr id="4" name="83L6KFE5.wav">
+          <p:cNvPr id="4" name="CGOBHS9.wav">
             <a:hlinkClick r:id="" action="ppaction://media"/>
           </p:cNvPr>
           <p:cNvPicPr>
@@ -9629,7 +9671,7 @@
       </p:graphicFrame>
       <p:pic>
         <p:nvPicPr>
-          <p:cNvPr id="4" name="3GHG4VWW9.wav">
+          <p:cNvPr id="4" name="Z0I18V.wav">
             <a:hlinkClick r:id="" action="ppaction://media"/>
           </p:cNvPr>
           <p:cNvPicPr>
@@ -11572,7 +11614,7 @@
       </p:graphicFrame>
       <p:pic>
         <p:nvPicPr>
-          <p:cNvPr id="4" name="ZVRFMK.wav">
+          <p:cNvPr id="4" name="1RIX0.wav">
             <a:hlinkClick r:id="" action="ppaction://media"/>
           </p:cNvPr>
           <p:cNvPicPr>
